--- a/Presentaties/Presentatie2.pptx
+++ b/Presentaties/Presentatie2.pptx
@@ -11,10 +11,10 @@
     <p:sldId id="256" r:id="rId2"/>
     <p:sldId id="257" r:id="rId3"/>
     <p:sldId id="258" r:id="rId4"/>
-    <p:sldId id="259" r:id="rId5"/>
-    <p:sldId id="262" r:id="rId6"/>
-    <p:sldId id="264" r:id="rId7"/>
-    <p:sldId id="263" r:id="rId8"/>
+    <p:sldId id="262" r:id="rId5"/>
+    <p:sldId id="264" r:id="rId6"/>
+    <p:sldId id="263" r:id="rId7"/>
+    <p:sldId id="259" r:id="rId8"/>
     <p:sldId id="265" r:id="rId9"/>
     <p:sldId id="260" r:id="rId10"/>
     <p:sldId id="261" r:id="rId11"/>
@@ -4184,13 +4184,17 @@
           <a:bodyPr/>
           <a:lstStyle/>
           <a:p>
-            <a:endParaRPr lang="nl-NL"/>
+            <a:r>
+              <a:rPr lang="nl-NL" dirty="0" smtClean="0"/>
+              <a:t>300 mogelijkheden</a:t>
+            </a:r>
+            <a:endParaRPr lang="nl-NL" dirty="0"/>
           </a:p>
         </p:txBody>
       </p:sp>
       <p:pic>
         <p:nvPicPr>
-          <p:cNvPr id="7" name="Tijdelijke aanduiding voor inhoud 6" descr="presentatie week 4 2.jpg"/>
+          <p:cNvPr id="6" name="Tijdelijke aanduiding voor inhoud 5" descr="presentatie week 4 5.jpg"/>
           <p:cNvPicPr>
             <a:picLocks noGrp="1" noChangeAspect="1"/>
           </p:cNvPicPr>
@@ -4206,7 +4210,7 @@
               </a:ext>
             </a:extLst>
           </a:blip>
-          <a:srcRect l="852" r="852"/>
+          <a:srcRect l="3283" r="3283"/>
           <a:stretch>
             <a:fillRect/>
           </a:stretch>
@@ -4216,7 +4220,7 @@
     </p:spTree>
     <p:extLst>
       <p:ext uri="{BB962C8B-B14F-4D97-AF65-F5344CB8AC3E}">
-        <p14:creationId xmlns:p14="http://schemas.microsoft.com/office/powerpoint/2010/main" val="2882911599"/>
+        <p14:creationId xmlns:p14="http://schemas.microsoft.com/office/powerpoint/2010/main" val="1721132675"/>
       </p:ext>
     </p:extLst>
   </p:cSld>
@@ -4270,87 +4274,6 @@
               <a:t>300 mogelijkheden</a:t>
             </a:r>
             <a:endParaRPr lang="nl-NL" dirty="0"/>
-          </a:p>
-        </p:txBody>
-      </p:sp>
-      <p:pic>
-        <p:nvPicPr>
-          <p:cNvPr id="6" name="Tijdelijke aanduiding voor inhoud 5" descr="presentatie week 4 5.jpg"/>
-          <p:cNvPicPr>
-            <a:picLocks noGrp="1" noChangeAspect="1"/>
-          </p:cNvPicPr>
-          <p:nvPr>
-            <p:ph idx="1"/>
-          </p:nvPr>
-        </p:nvPicPr>
-        <p:blipFill>
-          <a:blip r:embed="rId2">
-            <a:extLst>
-              <a:ext uri="{28A0092B-C50C-407E-A947-70E740481C1C}">
-                <a14:useLocalDpi xmlns:a14="http://schemas.microsoft.com/office/drawing/2010/main" val="0"/>
-              </a:ext>
-            </a:extLst>
-          </a:blip>
-          <a:srcRect l="3283" r="3283"/>
-          <a:stretch>
-            <a:fillRect/>
-          </a:stretch>
-        </p:blipFill>
-        <p:spPr/>
-      </p:pic>
-    </p:spTree>
-    <p:extLst>
-      <p:ext uri="{BB962C8B-B14F-4D97-AF65-F5344CB8AC3E}">
-        <p14:creationId xmlns:p14="http://schemas.microsoft.com/office/powerpoint/2010/main" val="1721132675"/>
-      </p:ext>
-    </p:extLst>
-  </p:cSld>
-  <p:clrMapOvr>
-    <a:masterClrMapping/>
-  </p:clrMapOvr>
-  <p:timing>
-    <p:tnLst>
-      <p:par>
-        <p:cTn xmlns:p14="http://schemas.microsoft.com/office/powerpoint/2010/main" id="1" dur="indefinite" restart="never" nodeType="tmRoot"/>
-      </p:par>
-    </p:tnLst>
-  </p:timing>
-</p:sld>
-</file>
-
-<file path=ppt/slides/slide6.xml><?xml version="1.0" encoding="utf-8"?>
-<p:sld xmlns:a="http://schemas.openxmlformats.org/drawingml/2006/main" xmlns:r="http://schemas.openxmlformats.org/officeDocument/2006/relationships" xmlns:p="http://schemas.openxmlformats.org/presentationml/2006/main">
-  <p:cSld>
-    <p:spTree>
-      <p:nvGrpSpPr>
-        <p:cNvPr id="1" name=""/>
-        <p:cNvGrpSpPr/>
-        <p:nvPr/>
-      </p:nvGrpSpPr>
-      <p:grpSpPr>
-        <a:xfrm>
-          <a:off x="0" y="0"/>
-          <a:ext cx="0" cy="0"/>
-          <a:chOff x="0" y="0"/>
-          <a:chExt cx="0" cy="0"/>
-        </a:xfrm>
-      </p:grpSpPr>
-      <p:sp>
-        <p:nvSpPr>
-          <p:cNvPr id="2" name="Titel 1"/>
-          <p:cNvSpPr>
-            <a:spLocks noGrp="1"/>
-          </p:cNvSpPr>
-          <p:nvPr>
-            <p:ph type="title"/>
-          </p:nvPr>
-        </p:nvSpPr>
-        <p:spPr/>
-        <p:txBody>
-          <a:bodyPr/>
-          <a:lstStyle/>
-          <a:p>
-            <a:endParaRPr lang="nl-NL"/>
           </a:p>
         </p:txBody>
       </p:sp>
@@ -4404,7 +4327,7 @@
 </p:sld>
 </file>
 
-<file path=ppt/slides/slide7.xml><?xml version="1.0" encoding="utf-8"?>
+<file path=ppt/slides/slide6.xml><?xml version="1.0" encoding="utf-8"?>
 <p:sld xmlns:a="http://schemas.openxmlformats.org/drawingml/2006/main" xmlns:r="http://schemas.openxmlformats.org/officeDocument/2006/relationships" xmlns:p="http://schemas.openxmlformats.org/presentationml/2006/main">
   <p:cSld>
     <p:spTree>
@@ -4498,6 +4421,99 @@
     <p:extLst>
       <p:ext uri="{BB962C8B-B14F-4D97-AF65-F5344CB8AC3E}">
         <p14:creationId xmlns:p14="http://schemas.microsoft.com/office/powerpoint/2010/main" val="3592886912"/>
+      </p:ext>
+    </p:extLst>
+  </p:cSld>
+  <p:clrMapOvr>
+    <a:masterClrMapping/>
+  </p:clrMapOvr>
+  <p:timing>
+    <p:tnLst>
+      <p:par>
+        <p:cTn xmlns:p14="http://schemas.microsoft.com/office/powerpoint/2010/main" id="1" dur="indefinite" restart="never" nodeType="tmRoot"/>
+      </p:par>
+    </p:tnLst>
+  </p:timing>
+</p:sld>
+</file>
+
+<file path=ppt/slides/slide7.xml><?xml version="1.0" encoding="utf-8"?>
+<p:sld xmlns:a="http://schemas.openxmlformats.org/drawingml/2006/main" xmlns:r="http://schemas.openxmlformats.org/officeDocument/2006/relationships" xmlns:p="http://schemas.openxmlformats.org/presentationml/2006/main">
+  <p:cSld>
+    <p:spTree>
+      <p:nvGrpSpPr>
+        <p:cNvPr id="1" name=""/>
+        <p:cNvGrpSpPr/>
+        <p:nvPr/>
+      </p:nvGrpSpPr>
+      <p:grpSpPr>
+        <a:xfrm>
+          <a:off x="0" y="0"/>
+          <a:ext cx="0" cy="0"/>
+          <a:chOff x="0" y="0"/>
+          <a:chExt cx="0" cy="0"/>
+        </a:xfrm>
+      </p:grpSpPr>
+      <p:sp>
+        <p:nvSpPr>
+          <p:cNvPr id="2" name="Titel 1"/>
+          <p:cNvSpPr>
+            <a:spLocks noGrp="1"/>
+          </p:cNvSpPr>
+          <p:nvPr>
+            <p:ph type="title"/>
+          </p:nvPr>
+        </p:nvSpPr>
+        <p:spPr/>
+        <p:txBody>
+          <a:bodyPr/>
+          <a:lstStyle/>
+          <a:p>
+            <a:r>
+              <a:rPr lang="nl-NL" dirty="0" err="1" smtClean="0"/>
+              <a:t>Iterative</a:t>
+            </a:r>
+            <a:r>
+              <a:rPr lang="nl-NL" dirty="0" smtClean="0"/>
+              <a:t> </a:t>
+            </a:r>
+            <a:r>
+              <a:rPr lang="nl-NL" dirty="0" err="1" smtClean="0"/>
+              <a:t>Deepening</a:t>
+            </a:r>
+            <a:endParaRPr lang="nl-NL" dirty="0"/>
+          </a:p>
+        </p:txBody>
+      </p:sp>
+      <p:pic>
+        <p:nvPicPr>
+          <p:cNvPr id="7" name="Tijdelijke aanduiding voor inhoud 6" descr="presentatie week 4 2.jpg"/>
+          <p:cNvPicPr>
+            <a:picLocks noGrp="1" noChangeAspect="1"/>
+          </p:cNvPicPr>
+          <p:nvPr>
+            <p:ph idx="1"/>
+          </p:nvPr>
+        </p:nvPicPr>
+        <p:blipFill>
+          <a:blip r:embed="rId2">
+            <a:extLst>
+              <a:ext uri="{28A0092B-C50C-407E-A947-70E740481C1C}">
+                <a14:useLocalDpi xmlns:a14="http://schemas.microsoft.com/office/drawing/2010/main" val="0"/>
+              </a:ext>
+            </a:extLst>
+          </a:blip>
+          <a:srcRect l="852" r="852"/>
+          <a:stretch>
+            <a:fillRect/>
+          </a:stretch>
+        </p:blipFill>
+        <p:spPr/>
+      </p:pic>
+    </p:spTree>
+    <p:extLst>
+      <p:ext uri="{BB962C8B-B14F-4D97-AF65-F5344CB8AC3E}">
+        <p14:creationId xmlns:p14="http://schemas.microsoft.com/office/powerpoint/2010/main" val="2882911599"/>
       </p:ext>
     </p:extLst>
   </p:cSld>
